--- a/Final-Group-Presentation/ML2 - Final Project-Slice.pptx
+++ b/Final-Group-Presentation/ML2 - Final Project-Slice.pptx
@@ -20346,15 +20346,7 @@
           <a:p>
             <a:r>
               <a:rPr lang="en-US" dirty="0"/>
-              <a:t>Optimizer: Stochastic </a:t>
-            </a:r>
-            <a:r>
-              <a:rPr lang="en-US" dirty="0" err="1"/>
-              <a:t>Dradient</a:t>
-            </a:r>
-            <a:r>
-              <a:rPr lang="en-US" dirty="0"/>
-              <a:t> Descent</a:t>
+              <a:t>Optimizer: Stochastic Gradient Descent</a:t>
             </a:r>
           </a:p>
           <a:p>
@@ -21903,58 +21895,6 @@
           </a:p>
         </p:txBody>
       </p:sp>
-      <p:sp>
-        <p:nvSpPr>
-          <p:cNvPr id="4" name="Title 1">
-            <a:extLst>
-              <a:ext uri="{FF2B5EF4-FFF2-40B4-BE49-F238E27FC236}">
-                <a16:creationId xmlns:a16="http://schemas.microsoft.com/office/drawing/2014/main" id="{D2A4AFEE-B97D-455B-AEEB-90EED19C7819}"/>
-              </a:ext>
-            </a:extLst>
-          </p:cNvPr>
-          <p:cNvSpPr>
-            <a:spLocks noGrp="1"/>
-          </p:cNvSpPr>
-          <p:nvPr>
-            <p:ph type="title"/>
-          </p:nvPr>
-        </p:nvSpPr>
-        <p:spPr>
-          <a:xfrm>
-            <a:off x="944183" y="5181600"/>
-            <a:ext cx="10156435" cy="1076324"/>
-          </a:xfrm>
-        </p:spPr>
-        <p:txBody>
-          <a:bodyPr vert="horz" lIns="91440" tIns="45720" rIns="91440" bIns="45720" rtlCol="0" anchor="b">
-            <a:normAutofit/>
-          </a:bodyPr>
-          <a:lstStyle/>
-          <a:p>
-            <a:pPr>
-              <a:lnSpc>
-                <a:spcPct val="85000"/>
-              </a:lnSpc>
-            </a:pPr>
-            <a:r>
-              <a:rPr lang="en-US" sz="5400" dirty="0">
-                <a:solidFill>
-                  <a:srgbClr val="FFFFFF"/>
-                </a:solidFill>
-                <a:effectLst>
-                  <a:outerShdw blurRad="38100" dist="38100" dir="2700000" algn="tl">
-                    <a:srgbClr val="000000">
-                      <a:alpha val="43137"/>
-                    </a:srgbClr>
-                  </a:outerShdw>
-                </a:effectLst>
-                <a:latin typeface="Algerian" panose="04020705040A02060702" pitchFamily="82" charset="0"/>
-              </a:rPr>
-              <a:t>Testing Results</a:t>
-            </a:r>
-          </a:p>
-        </p:txBody>
-      </p:sp>
     </p:spTree>
     <p:extLst>
       <p:ext uri="{BB962C8B-B14F-4D97-AF65-F5344CB8AC3E}">
@@ -25820,7 +25760,7 @@
             <p:ph idx="1"/>
             <p:extLst>
               <p:ext uri="{D42A27DB-BD31-4B8C-83A1-F6EECF244321}">
-                <p14:modId xmlns:p14="http://schemas.microsoft.com/office/powerpoint/2010/main" val="1277227271"/>
+                <p14:modId xmlns:p14="http://schemas.microsoft.com/office/powerpoint/2010/main" val="1757431356"/>
               </p:ext>
             </p:extLst>
           </p:nvPr>
@@ -25851,8 +25791,8 @@
         </p:nvSpPr>
         <p:spPr bwMode="auto">
           <a:xfrm>
-            <a:off x="828675" y="5474435"/>
-            <a:ext cx="5829300" cy="923330"/>
+            <a:off x="828675" y="5335936"/>
+            <a:ext cx="5829300" cy="1200329"/>
           </a:xfrm>
           <a:prstGeom prst="rect">
             <a:avLst/>
@@ -25986,6 +25926,75 @@
               </a:rPr>
               <a:t>EPOCH_SIZE = 50</a:t>
             </a:r>
+          </a:p>
+          <a:p>
+            <a:pPr marL="0" marR="0" lvl="0" indent="0" algn="l" defTabSz="914400" rtl="0" eaLnBrk="0" fontAlgn="base" latinLnBrk="0" hangingPunct="0">
+              <a:lnSpc>
+                <a:spcPct val="100000"/>
+              </a:lnSpc>
+              <a:spcBef>
+                <a:spcPct val="0"/>
+              </a:spcBef>
+              <a:spcAft>
+                <a:spcPct val="0"/>
+              </a:spcAft>
+              <a:buClrTx/>
+              <a:buSzTx/>
+              <a:buFontTx/>
+              <a:buNone/>
+              <a:tabLst/>
+            </a:pPr>
+            <a:r>
+              <a:rPr lang="en-US" altLang="en-US" dirty="0" err="1">
+                <a:solidFill>
+                  <a:schemeClr val="bg1"/>
+                </a:solidFill>
+                <a:effectLst>
+                  <a:outerShdw blurRad="38100" dist="38100" dir="2700000" algn="tl">
+                    <a:srgbClr val="000000">
+                      <a:alpha val="43137"/>
+                    </a:srgbClr>
+                  </a:outerShdw>
+                </a:effectLst>
+                <a:latin typeface="Castellar" panose="020A0402060406010301" pitchFamily="18" charset="0"/>
+                <a:cs typeface="Courier New" panose="02070309020205020404" pitchFamily="49" charset="0"/>
+              </a:rPr>
+              <a:t>H</a:t>
+            </a:r>
+            <a:r>
+              <a:rPr lang="en-US" altLang="zh-CN" dirty="0" err="1">
+                <a:solidFill>
+                  <a:schemeClr val="bg1"/>
+                </a:solidFill>
+                <a:effectLst>
+                  <a:outerShdw blurRad="38100" dist="38100" dir="2700000" algn="tl">
+                    <a:srgbClr val="000000">
+                      <a:alpha val="43137"/>
+                    </a:srgbClr>
+                  </a:outerShdw>
+                </a:effectLst>
+                <a:latin typeface="Castellar" panose="020A0402060406010301" pitchFamily="18" charset="0"/>
+                <a:cs typeface="Courier New" panose="02070309020205020404" pitchFamily="49" charset="0"/>
+              </a:rPr>
+              <a:t>idden_Layers</a:t>
+            </a:r>
+            <a:r>
+              <a:rPr lang="en-US" altLang="zh-CN" dirty="0">
+                <a:solidFill>
+                  <a:schemeClr val="bg1"/>
+                </a:solidFill>
+                <a:effectLst>
+                  <a:outerShdw blurRad="38100" dist="38100" dir="2700000" algn="tl">
+                    <a:srgbClr val="000000">
+                      <a:alpha val="43137"/>
+                    </a:srgbClr>
+                  </a:outerShdw>
+                </a:effectLst>
+                <a:latin typeface="Castellar" panose="020A0402060406010301" pitchFamily="18" charset="0"/>
+                <a:cs typeface="Courier New" panose="02070309020205020404" pitchFamily="49" charset="0"/>
+              </a:rPr>
+              <a:t>=100</a:t>
+            </a:r>
             <a:endParaRPr kumimoji="0" lang="en-US" altLang="en-US" b="0" i="0" u="none" strike="noStrike" cap="none" normalizeH="0" baseline="0" dirty="0">
               <a:ln>
                 <a:noFill/>
@@ -26002,6 +26011,60 @@
               </a:effectLst>
               <a:latin typeface="Castellar" panose="020A0402060406010301" pitchFamily="18" charset="0"/>
             </a:endParaRPr>
+          </a:p>
+        </p:txBody>
+      </p:sp>
+      <p:sp>
+        <p:nvSpPr>
+          <p:cNvPr id="3" name="TextBox 2">
+            <a:extLst>
+              <a:ext uri="{FF2B5EF4-FFF2-40B4-BE49-F238E27FC236}">
+                <a16:creationId xmlns:a16="http://schemas.microsoft.com/office/drawing/2014/main" id="{6F78E092-CF3E-47B7-9C8F-1BA6D90A2238}"/>
+              </a:ext>
+            </a:extLst>
+          </p:cNvPr>
+          <p:cNvSpPr txBox="1"/>
+          <p:nvPr/>
+        </p:nvSpPr>
+        <p:spPr>
+          <a:xfrm>
+            <a:off x="5696262" y="6058240"/>
+            <a:ext cx="5186597" cy="646331"/>
+          </a:xfrm>
+          <a:prstGeom prst="rect">
+            <a:avLst/>
+          </a:prstGeom>
+          <a:noFill/>
+          <a:ln>
+            <a:solidFill>
+              <a:schemeClr val="tx1"/>
+            </a:solidFill>
+          </a:ln>
+        </p:spPr>
+        <p:txBody>
+          <a:bodyPr wrap="square" rtlCol="0">
+            <a:spAutoFit/>
+          </a:bodyPr>
+          <a:lstStyle/>
+          <a:p>
+            <a:r>
+              <a:rPr lang="en-US" dirty="0">
+                <a:latin typeface="Bodoni MT" panose="02070603080606020203" pitchFamily="18" charset="0"/>
+              </a:rPr>
+              <a:t>Do not have to define the backward function since it automatically determined by the </a:t>
+            </a:r>
+            <a:r>
+              <a:rPr lang="en-US" dirty="0" err="1">
+                <a:latin typeface="Bodoni MT" panose="02070603080606020203" pitchFamily="18" charset="0"/>
+              </a:rPr>
+              <a:t>autograd</a:t>
+            </a:r>
+            <a:r>
+              <a:rPr lang="en-US" dirty="0">
+                <a:latin typeface="Bodoni MT" panose="02070603080606020203" pitchFamily="18" charset="0"/>
+              </a:rPr>
+              <a:t> package.</a:t>
+            </a:r>
           </a:p>
         </p:txBody>
       </p:sp>
@@ -26494,117 +26557,6 @@
           </a:fontRef>
         </p:style>
       </p:cxnSp>
-      <p:grpSp>
-        <p:nvGrpSpPr>
-          <p:cNvPr id="13" name="Group 12">
-            <a:extLst>
-              <a:ext uri="{FF2B5EF4-FFF2-40B4-BE49-F238E27FC236}">
-                <a16:creationId xmlns:a16="http://schemas.microsoft.com/office/drawing/2014/main" id="{07140ECF-F3E3-4858-997D-ABC7B5B2F03C}"/>
-              </a:ext>
-            </a:extLst>
-          </p:cNvPr>
-          <p:cNvGrpSpPr/>
-          <p:nvPr/>
-        </p:nvGrpSpPr>
-        <p:grpSpPr>
-          <a:xfrm>
-            <a:off x="5151528" y="1894628"/>
-            <a:ext cx="1498546" cy="688792"/>
-            <a:chOff x="3632548" y="1803748"/>
-            <a:chExt cx="1628384" cy="663880"/>
-          </a:xfrm>
-          <a:solidFill>
-            <a:schemeClr val="accent3">
-              <a:lumMod val="75000"/>
-            </a:schemeClr>
-          </a:solidFill>
-        </p:grpSpPr>
-        <p:sp>
-          <p:nvSpPr>
-            <p:cNvPr id="50" name="Oval 49">
-              <a:extLst>
-                <a:ext uri="{FF2B5EF4-FFF2-40B4-BE49-F238E27FC236}">
-                  <a16:creationId xmlns:a16="http://schemas.microsoft.com/office/drawing/2014/main" id="{833FBA2F-B768-4393-AECE-38393FA2642B}"/>
-                </a:ext>
-              </a:extLst>
-            </p:cNvPr>
-            <p:cNvSpPr/>
-            <p:nvPr/>
-          </p:nvSpPr>
-          <p:spPr>
-            <a:xfrm>
-              <a:off x="3632548" y="1803748"/>
-              <a:ext cx="1628384" cy="663880"/>
-            </a:xfrm>
-            <a:prstGeom prst="ellipse">
-              <a:avLst/>
-            </a:prstGeom>
-            <a:grpFill/>
-          </p:spPr>
-          <p:style>
-            <a:lnRef idx="2">
-              <a:schemeClr val="accent1">
-                <a:shade val="50000"/>
-              </a:schemeClr>
-            </a:lnRef>
-            <a:fillRef idx="1">
-              <a:schemeClr val="accent1"/>
-            </a:fillRef>
-            <a:effectRef idx="0">
-              <a:schemeClr val="accent1"/>
-            </a:effectRef>
-            <a:fontRef idx="minor">
-              <a:schemeClr val="lt1"/>
-            </a:fontRef>
-          </p:style>
-          <p:txBody>
-            <a:bodyPr rtlCol="0" anchor="ctr"/>
-            <a:lstStyle/>
-            <a:p>
-              <a:pPr algn="ctr"/>
-              <a:endParaRPr lang="en-US"/>
-            </a:p>
-          </p:txBody>
-        </p:sp>
-        <p:sp>
-          <p:nvSpPr>
-            <p:cNvPr id="51" name="TextBox 50">
-              <a:extLst>
-                <a:ext uri="{FF2B5EF4-FFF2-40B4-BE49-F238E27FC236}">
-                  <a16:creationId xmlns:a16="http://schemas.microsoft.com/office/drawing/2014/main" id="{4EE1733F-F8DF-411F-AB5B-804F40D9B1DC}"/>
-                </a:ext>
-              </a:extLst>
-            </p:cNvPr>
-            <p:cNvSpPr txBox="1"/>
-            <p:nvPr/>
-          </p:nvSpPr>
-          <p:spPr>
-            <a:xfrm>
-              <a:off x="3776597" y="1953875"/>
-              <a:ext cx="1340285" cy="461665"/>
-            </a:xfrm>
-            <a:prstGeom prst="rect">
-              <a:avLst/>
-            </a:prstGeom>
-            <a:noFill/>
-          </p:spPr>
-          <p:txBody>
-            <a:bodyPr wrap="square" rtlCol="0">
-              <a:spAutoFit/>
-            </a:bodyPr>
-            <a:lstStyle/>
-            <a:p>
-              <a:pPr algn="ctr"/>
-              <a:r>
-                <a:rPr lang="en-US" sz="1200" dirty="0">
-                  <a:latin typeface="Arial Black" panose="020B0A04020102020204" pitchFamily="34" charset="0"/>
-                </a:rPr>
-                <a:t>Convolution Layer 1</a:t>
-              </a:r>
-            </a:p>
-          </p:txBody>
-        </p:sp>
-      </p:grpSp>
       <p:grpSp>
         <p:nvGrpSpPr>
           <p:cNvPr id="15" name="Group 14">
@@ -26993,117 +26945,6 @@
                   <a:latin typeface="Arial Black" panose="020B0A04020102020204" pitchFamily="34" charset="0"/>
                 </a:rPr>
                 <a:t>Max Pooling</a:t>
-              </a:r>
-            </a:p>
-          </p:txBody>
-        </p:sp>
-      </p:grpSp>
-      <p:grpSp>
-        <p:nvGrpSpPr>
-          <p:cNvPr id="21" name="Group 20">
-            <a:extLst>
-              <a:ext uri="{FF2B5EF4-FFF2-40B4-BE49-F238E27FC236}">
-                <a16:creationId xmlns:a16="http://schemas.microsoft.com/office/drawing/2014/main" id="{2794B6FD-D0C6-4984-B711-715A45F90C11}"/>
-              </a:ext>
-            </a:extLst>
-          </p:cNvPr>
-          <p:cNvGrpSpPr/>
-          <p:nvPr/>
-        </p:nvGrpSpPr>
-        <p:grpSpPr>
-          <a:xfrm>
-            <a:off x="5485346" y="4098068"/>
-            <a:ext cx="1498546" cy="688792"/>
-            <a:chOff x="3632548" y="1803748"/>
-            <a:chExt cx="1628384" cy="663880"/>
-          </a:xfrm>
-          <a:solidFill>
-            <a:schemeClr val="accent3">
-              <a:lumMod val="75000"/>
-            </a:schemeClr>
-          </a:solidFill>
-        </p:grpSpPr>
-        <p:sp>
-          <p:nvSpPr>
-            <p:cNvPr id="42" name="Oval 41">
-              <a:extLst>
-                <a:ext uri="{FF2B5EF4-FFF2-40B4-BE49-F238E27FC236}">
-                  <a16:creationId xmlns:a16="http://schemas.microsoft.com/office/drawing/2014/main" id="{2AE4F731-BB48-4E8F-9E00-972D184A0BE2}"/>
-                </a:ext>
-              </a:extLst>
-            </p:cNvPr>
-            <p:cNvSpPr/>
-            <p:nvPr/>
-          </p:nvSpPr>
-          <p:spPr>
-            <a:xfrm>
-              <a:off x="3632548" y="1803748"/>
-              <a:ext cx="1628384" cy="663880"/>
-            </a:xfrm>
-            <a:prstGeom prst="ellipse">
-              <a:avLst/>
-            </a:prstGeom>
-            <a:grpFill/>
-          </p:spPr>
-          <p:style>
-            <a:lnRef idx="2">
-              <a:schemeClr val="accent1">
-                <a:shade val="50000"/>
-              </a:schemeClr>
-            </a:lnRef>
-            <a:fillRef idx="1">
-              <a:schemeClr val="accent1"/>
-            </a:fillRef>
-            <a:effectRef idx="0">
-              <a:schemeClr val="accent1"/>
-            </a:effectRef>
-            <a:fontRef idx="minor">
-              <a:schemeClr val="lt1"/>
-            </a:fontRef>
-          </p:style>
-          <p:txBody>
-            <a:bodyPr rtlCol="0" anchor="ctr"/>
-            <a:lstStyle/>
-            <a:p>
-              <a:pPr algn="ctr"/>
-              <a:endParaRPr lang="en-US"/>
-            </a:p>
-          </p:txBody>
-        </p:sp>
-        <p:sp>
-          <p:nvSpPr>
-            <p:cNvPr id="43" name="TextBox 42">
-              <a:extLst>
-                <a:ext uri="{FF2B5EF4-FFF2-40B4-BE49-F238E27FC236}">
-                  <a16:creationId xmlns:a16="http://schemas.microsoft.com/office/drawing/2014/main" id="{858348C8-D6BC-4DD4-8C27-97158ED7B36C}"/>
-                </a:ext>
-              </a:extLst>
-            </p:cNvPr>
-            <p:cNvSpPr txBox="1"/>
-            <p:nvPr/>
-          </p:nvSpPr>
-          <p:spPr>
-            <a:xfrm>
-              <a:off x="3776597" y="1953875"/>
-              <a:ext cx="1340285" cy="461665"/>
-            </a:xfrm>
-            <a:prstGeom prst="rect">
-              <a:avLst/>
-            </a:prstGeom>
-            <a:noFill/>
-          </p:spPr>
-          <p:txBody>
-            <a:bodyPr wrap="square" rtlCol="0">
-              <a:spAutoFit/>
-            </a:bodyPr>
-            <a:lstStyle/>
-            <a:p>
-              <a:pPr algn="ctr"/>
-              <a:r>
-                <a:rPr lang="en-US" sz="1200" dirty="0">
-                  <a:latin typeface="Arial Black" panose="020B0A04020102020204" pitchFamily="34" charset="0"/>
-                </a:rPr>
-                <a:t>Convolution Layer 2</a:t>
               </a:r>
             </a:p>
           </p:txBody>
@@ -28311,7 +28152,7 @@
         </p:nvGrpSpPr>
         <p:grpSpPr>
           <a:xfrm>
-            <a:off x="5158930" y="1903545"/>
+            <a:off x="5183571" y="1914028"/>
             <a:ext cx="1498546" cy="688792"/>
             <a:chOff x="3632548" y="1803748"/>
             <a:chExt cx="1628384" cy="663880"/>
@@ -28671,7 +28512,6 @@
           </p:cNvPr>
           <p:cNvCxnSpPr>
             <a:cxnSpLocks/>
-            <a:stCxn id="42" idx="4"/>
             <a:endCxn id="40" idx="0"/>
           </p:cNvCxnSpPr>
           <p:nvPr/>
@@ -28926,6 +28766,120 @@
           </a:p>
         </p:txBody>
       </p:sp>
+      <p:grpSp>
+        <p:nvGrpSpPr>
+          <p:cNvPr id="67" name="Group 66">
+            <a:extLst>
+              <a:ext uri="{FF2B5EF4-FFF2-40B4-BE49-F238E27FC236}">
+                <a16:creationId xmlns:a16="http://schemas.microsoft.com/office/drawing/2014/main" id="{C607D7F6-7C64-460C-8EEF-0B2AAFA3DCC5}"/>
+              </a:ext>
+            </a:extLst>
+          </p:cNvPr>
+          <p:cNvGrpSpPr/>
+          <p:nvPr/>
+        </p:nvGrpSpPr>
+        <p:grpSpPr>
+          <a:xfrm>
+            <a:off x="5475647" y="4058759"/>
+            <a:ext cx="1498546" cy="688792"/>
+            <a:chOff x="3632548" y="1803748"/>
+            <a:chExt cx="1628384" cy="663880"/>
+          </a:xfrm>
+          <a:solidFill>
+            <a:schemeClr val="accent3">
+              <a:lumMod val="75000"/>
+            </a:schemeClr>
+          </a:solidFill>
+        </p:grpSpPr>
+        <p:sp>
+          <p:nvSpPr>
+            <p:cNvPr id="69" name="Oval 68">
+              <a:extLst>
+                <a:ext uri="{FF2B5EF4-FFF2-40B4-BE49-F238E27FC236}">
+                  <a16:creationId xmlns:a16="http://schemas.microsoft.com/office/drawing/2014/main" id="{13718F50-A378-4543-A2A5-C9D0A74648E5}"/>
+                </a:ext>
+              </a:extLst>
+            </p:cNvPr>
+            <p:cNvSpPr/>
+            <p:nvPr/>
+          </p:nvSpPr>
+          <p:spPr>
+            <a:xfrm>
+              <a:off x="3632548" y="1803748"/>
+              <a:ext cx="1628384" cy="663880"/>
+            </a:xfrm>
+            <a:prstGeom prst="ellipse">
+              <a:avLst/>
+            </a:prstGeom>
+            <a:grpFill/>
+          </p:spPr>
+          <p:style>
+            <a:lnRef idx="2">
+              <a:schemeClr val="accent1">
+                <a:shade val="50000"/>
+              </a:schemeClr>
+            </a:lnRef>
+            <a:fillRef idx="1">
+              <a:schemeClr val="accent1"/>
+            </a:fillRef>
+            <a:effectRef idx="0">
+              <a:schemeClr val="accent1"/>
+            </a:effectRef>
+            <a:fontRef idx="minor">
+              <a:schemeClr val="lt1"/>
+            </a:fontRef>
+          </p:style>
+          <p:txBody>
+            <a:bodyPr rtlCol="0" anchor="ctr"/>
+            <a:lstStyle/>
+            <a:p>
+              <a:pPr algn="ctr"/>
+              <a:endParaRPr lang="en-US"/>
+            </a:p>
+          </p:txBody>
+        </p:sp>
+        <p:sp>
+          <p:nvSpPr>
+            <p:cNvPr id="75" name="TextBox 74">
+              <a:extLst>
+                <a:ext uri="{FF2B5EF4-FFF2-40B4-BE49-F238E27FC236}">
+                  <a16:creationId xmlns:a16="http://schemas.microsoft.com/office/drawing/2014/main" id="{F53045FD-FFBF-4EED-875A-DF7B850BF6EC}"/>
+                </a:ext>
+              </a:extLst>
+            </p:cNvPr>
+            <p:cNvSpPr txBox="1"/>
+            <p:nvPr/>
+          </p:nvSpPr>
+          <p:spPr>
+            <a:xfrm>
+              <a:off x="3776597" y="1953875"/>
+              <a:ext cx="1340285" cy="266981"/>
+            </a:xfrm>
+            <a:prstGeom prst="rect">
+              <a:avLst/>
+            </a:prstGeom>
+            <a:noFill/>
+          </p:spPr>
+          <p:txBody>
+            <a:bodyPr wrap="square" rtlCol="0">
+              <a:spAutoFit/>
+            </a:bodyPr>
+            <a:lstStyle/>
+            <a:p>
+              <a:pPr algn="ctr"/>
+              <a:r>
+                <a:rPr lang="en-US" sz="1200" dirty="0" err="1">
+                  <a:latin typeface="Arial Black" panose="020B0A04020102020204" pitchFamily="34" charset="0"/>
+                </a:rPr>
+                <a:t>nn.Squential</a:t>
+              </a:r>
+              <a:endParaRPr lang="en-US" sz="1200" dirty="0">
+                <a:latin typeface="Arial Black" panose="020B0A04020102020204" pitchFamily="34" charset="0"/>
+              </a:endParaRPr>
+            </a:p>
+          </p:txBody>
+        </p:sp>
+      </p:grpSp>
     </p:spTree>
     <p:extLst>
       <p:ext uri="{BB962C8B-B14F-4D97-AF65-F5344CB8AC3E}">
@@ -28936,89 +28890,6 @@
   <p:clrMapOvr>
     <a:overrideClrMapping bg1="dk1" tx1="lt1" bg2="dk2" tx2="lt2" accent1="accent1" accent2="accent2" accent3="accent3" accent4="accent4" accent5="accent5" accent6="accent6" hlink="hlink" folHlink="folHlink"/>
   </p:clrMapOvr>
-  <p:timing>
-    <p:tnLst>
-      <p:par>
-        <p:cTn id="1" dur="indefinite" restart="never" nodeType="tmRoot">
-          <p:childTnLst>
-            <p:seq concurrent="1" nextAc="seek">
-              <p:cTn id="2" dur="indefinite" nodeType="mainSeq">
-                <p:childTnLst>
-                  <p:par>
-                    <p:cTn id="3" fill="hold">
-                      <p:stCondLst>
-                        <p:cond delay="indefinite"/>
-                      </p:stCondLst>
-                      <p:childTnLst>
-                        <p:par>
-                          <p:cTn id="4" fill="hold">
-                            <p:stCondLst>
-                              <p:cond delay="0"/>
-                            </p:stCondLst>
-                            <p:childTnLst>
-                              <p:par>
-                                <p:cTn id="5" presetID="14" presetClass="entr" presetSubtype="10" fill="hold" nodeType="clickEffect">
-                                  <p:stCondLst>
-                                    <p:cond delay="0"/>
-                                  </p:stCondLst>
-                                  <p:childTnLst>
-                                    <p:set>
-                                      <p:cBhvr>
-                                        <p:cTn id="6" dur="1" fill="hold">
-                                          <p:stCondLst>
-                                            <p:cond delay="0"/>
-                                          </p:stCondLst>
-                                        </p:cTn>
-                                        <p:tgtEl>
-                                          <p:spTgt spid="64"/>
-                                        </p:tgtEl>
-                                        <p:attrNameLst>
-                                          <p:attrName>style.visibility</p:attrName>
-                                        </p:attrNameLst>
-                                      </p:cBhvr>
-                                      <p:to>
-                                        <p:strVal val="visible"/>
-                                      </p:to>
-                                    </p:set>
-                                    <p:animEffect transition="in" filter="randombar(horizontal)">
-                                      <p:cBhvr>
-                                        <p:cTn id="7" dur="500"/>
-                                        <p:tgtEl>
-                                          <p:spTgt spid="64"/>
-                                        </p:tgtEl>
-                                      </p:cBhvr>
-                                    </p:animEffect>
-                                  </p:childTnLst>
-                                </p:cTn>
-                              </p:par>
-                            </p:childTnLst>
-                          </p:cTn>
-                        </p:par>
-                      </p:childTnLst>
-                    </p:cTn>
-                  </p:par>
-                </p:childTnLst>
-              </p:cTn>
-              <p:prevCondLst>
-                <p:cond evt="onPrev" delay="0">
-                  <p:tgtEl>
-                    <p:sldTgt/>
-                  </p:tgtEl>
-                </p:cond>
-              </p:prevCondLst>
-              <p:nextCondLst>
-                <p:cond evt="onNext" delay="0">
-                  <p:tgtEl>
-                    <p:sldTgt/>
-                  </p:tgtEl>
-                </p:cond>
-              </p:nextCondLst>
-            </p:seq>
-          </p:childTnLst>
-        </p:cTn>
-      </p:par>
-    </p:tnLst>
-  </p:timing>
 </p:sld>
 </file>
 
